--- a/Microsoft SQL Server - administracja v2.pptx
+++ b/Microsoft SQL Server - administracja v2.pptx
@@ -3540,7 +3540,7 @@
           <a:p>
             <a:fld id="{ABC3080C-77EA-438D-B7C2-2174B304EFF4}" type="datetimeFigureOut">
               <a:rPr lang="pl-PL" smtClean="0"/>
-              <a:t>16.06.2023</a:t>
+              <a:t>20.06.2023</a:t>
             </a:fld>
             <a:endParaRPr lang="pl-PL"/>
           </a:p>
@@ -4022,7 +4022,7 @@
           <a:p>
             <a:fld id="{9F475810-24D5-48D3-AA2C-F2F9A50B9C2A}" type="datetime1">
               <a:rPr lang="pl-PL" smtClean="0"/>
-              <a:t>16.06.2023</a:t>
+              <a:t>20.06.2023</a:t>
             </a:fld>
             <a:endParaRPr lang="pl-PL"/>
           </a:p>
@@ -4192,7 +4192,7 @@
           <a:p>
             <a:fld id="{208C5B07-0407-4C32-9CCF-DD9484CA4065}" type="datetime1">
               <a:rPr lang="pl-PL" smtClean="0"/>
-              <a:t>16.06.2023</a:t>
+              <a:t>20.06.2023</a:t>
             </a:fld>
             <a:endParaRPr lang="pl-PL"/>
           </a:p>
@@ -4372,7 +4372,7 @@
           <a:p>
             <a:fld id="{43BFBDDF-903F-45B0-889A-E2E4E1DECCE9}" type="datetime1">
               <a:rPr lang="pl-PL" smtClean="0"/>
-              <a:t>16.06.2023</a:t>
+              <a:t>20.06.2023</a:t>
             </a:fld>
             <a:endParaRPr lang="pl-PL"/>
           </a:p>
@@ -4542,7 +4542,7 @@
           <a:p>
             <a:fld id="{BA850BF2-4C4C-4B1F-A723-C06AF026D84C}" type="datetime1">
               <a:rPr lang="pl-PL" smtClean="0"/>
-              <a:t>16.06.2023</a:t>
+              <a:t>20.06.2023</a:t>
             </a:fld>
             <a:endParaRPr lang="pl-PL"/>
           </a:p>
@@ -4786,7 +4786,7 @@
           <a:p>
             <a:fld id="{C3A996E9-8654-4327-880B-FD555EEAA18F}" type="datetime1">
               <a:rPr lang="pl-PL" smtClean="0"/>
-              <a:t>16.06.2023</a:t>
+              <a:t>20.06.2023</a:t>
             </a:fld>
             <a:endParaRPr lang="pl-PL"/>
           </a:p>
@@ -5018,7 +5018,7 @@
           <a:p>
             <a:fld id="{F736E7E4-0877-40C7-8CBE-898E2E24EAF4}" type="datetime1">
               <a:rPr lang="pl-PL" smtClean="0"/>
-              <a:t>16.06.2023</a:t>
+              <a:t>20.06.2023</a:t>
             </a:fld>
             <a:endParaRPr lang="pl-PL"/>
           </a:p>
@@ -5385,7 +5385,7 @@
           <a:p>
             <a:fld id="{694B82DC-10F1-437F-8C28-0932D294B9ED}" type="datetime1">
               <a:rPr lang="pl-PL" smtClean="0"/>
-              <a:t>16.06.2023</a:t>
+              <a:t>20.06.2023</a:t>
             </a:fld>
             <a:endParaRPr lang="pl-PL"/>
           </a:p>
@@ -5503,7 +5503,7 @@
           <a:p>
             <a:fld id="{F17FFCBA-EAE6-4961-BC9C-53B02A8D985D}" type="datetime1">
               <a:rPr lang="pl-PL" smtClean="0"/>
-              <a:t>16.06.2023</a:t>
+              <a:t>20.06.2023</a:t>
             </a:fld>
             <a:endParaRPr lang="pl-PL"/>
           </a:p>
@@ -5598,7 +5598,7 @@
           <a:p>
             <a:fld id="{FC5365CE-A0F9-4065-8AAA-F936BAFD5017}" type="datetime1">
               <a:rPr lang="pl-PL" smtClean="0"/>
-              <a:t>16.06.2023</a:t>
+              <a:t>20.06.2023</a:t>
             </a:fld>
             <a:endParaRPr lang="pl-PL"/>
           </a:p>
@@ -5875,7 +5875,7 @@
           <a:p>
             <a:fld id="{9A9F013A-62CE-4BEE-9BCA-467564AABF74}" type="datetime1">
               <a:rPr lang="pl-PL" smtClean="0"/>
-              <a:t>16.06.2023</a:t>
+              <a:t>20.06.2023</a:t>
             </a:fld>
             <a:endParaRPr lang="pl-PL"/>
           </a:p>
@@ -6132,7 +6132,7 @@
           <a:p>
             <a:fld id="{A1B87E50-3CE1-4702-A044-ED0017F93E75}" type="datetime1">
               <a:rPr lang="pl-PL" smtClean="0"/>
-              <a:t>16.06.2023</a:t>
+              <a:t>20.06.2023</a:t>
             </a:fld>
             <a:endParaRPr lang="pl-PL"/>
           </a:p>
@@ -6345,7 +6345,7 @@
           <a:p>
             <a:fld id="{D2F9F28D-DF72-44BB-A389-924BEEE21344}" type="datetime1">
               <a:rPr lang="pl-PL" smtClean="0"/>
-              <a:t>16.06.2023</a:t>
+              <a:t>20.06.2023</a:t>
             </a:fld>
             <a:endParaRPr lang="pl-PL"/>
           </a:p>
@@ -11207,8 +11207,8 @@
           <a:lstStyle/>
           <a:p>
             <a:r>
-              <a:rPr lang="pl-PL"/>
-              <a:t>SQL 2008 - klaster</a:t>
+              <a:rPr lang="pl-PL" dirty="0"/>
+              <a:t>SQL Server - klaster</a:t>
             </a:r>
           </a:p>
         </p:txBody>
@@ -11325,8 +11325,8 @@
           <a:lstStyle/>
           <a:p>
             <a:r>
-              <a:rPr lang="pl-PL"/>
-              <a:t>SQL 2008 klaster</a:t>
+              <a:rPr lang="pl-PL" dirty="0"/>
+              <a:t>SQL Server klaster</a:t>
             </a:r>
           </a:p>
         </p:txBody>
@@ -28491,35 +28491,50 @@
           <a:bodyPr/>
           <a:lstStyle/>
           <a:p>
-            <a:r>
-              <a:rPr lang="pl-PL" dirty="0"/>
-              <a:t>Istotna jeśli </a:t>
-            </a:r>
-          </a:p>
-          <a:p>
-            <a:pPr lvl="1"/>
+            <a:pPr marL="457200" lvl="1" indent="0">
+              <a:buNone/>
+            </a:pPr>
+            <a:r>
+              <a:rPr lang="pl-PL" dirty="0"/>
+              <a:t>Przy zastosowaniu dysków elektronicznych (SSD, </a:t>
+            </a:r>
             <a:r>
               <a:rPr lang="pl-PL" dirty="0" err="1"/>
-              <a:t>avg_fragmentation_in_percent</a:t>
-            </a:r>
-            <a:r>
-              <a:rPr lang="pl-PL" dirty="0"/>
-              <a:t> &gt; 20</a:t>
-            </a:r>
-          </a:p>
-          <a:p>
-            <a:pPr lvl="1"/>
-            <a:r>
-              <a:rPr lang="pl-PL" dirty="0" err="1"/>
-              <a:t>page_count</a:t>
-            </a:r>
-            <a:r>
-              <a:rPr lang="pl-PL" dirty="0"/>
-              <a:t> &gt; 8 (tabela nie jest bardzo mała)</a:t>
-            </a:r>
-          </a:p>
-          <a:p>
-            <a:pPr lvl="1"/>
+              <a:t>nVME</a:t>
+            </a:r>
+            <a:r>
+              <a:rPr lang="pl-PL" dirty="0"/>
+              <a:t>) fragmentacja jest nieistotna.</a:t>
+            </a:r>
+          </a:p>
+          <a:p>
+            <a:pPr marL="457200" lvl="1" indent="0">
+              <a:buNone/>
+            </a:pPr>
+            <a:endParaRPr lang="pl-PL" dirty="0"/>
+          </a:p>
+          <a:p>
+            <a:pPr marL="457200" lvl="1" indent="0">
+              <a:buNone/>
+            </a:pPr>
+            <a:r>
+              <a:rPr lang="pl-PL" dirty="0"/>
+              <a:t>Przy wolnych dyskach mechanicznych i jednoczesnej niewielkiej ilości pamięci RAM na bufor defragmentacja może na chwilę pomagać.</a:t>
+            </a:r>
+          </a:p>
+          <a:p>
+            <a:pPr marL="914400" lvl="2" indent="0">
+              <a:buNone/>
+            </a:pPr>
+            <a:r>
+              <a:rPr lang="pl-PL" dirty="0"/>
+              <a:t>Należy zwracać uwagę na obiekty mające pow. 2000 stron.</a:t>
+            </a:r>
+          </a:p>
+          <a:p>
+            <a:pPr marL="457200" lvl="1" indent="0">
+              <a:buNone/>
+            </a:pPr>
             <a:endParaRPr lang="pl-PL" dirty="0"/>
           </a:p>
         </p:txBody>
